--- a/Mastering Supabase Session3.pptx
+++ b/Mastering Supabase Session3.pptx
@@ -18150,6 +18150,30 @@
               </a:rPr>
               <a:t>supabase docs</a:t>
             </a:r>
+            <a:endParaRPr lang="en-US">
+              <a:hlinkClick r:id="rId2" action="ppaction://hlinkfile">
+                <a:extLst>
+                  <a:ext uri="{DAF060AB-1E55-43B9-8AAB-6FB025537F2F}">
+                    <wpsdc:hlinkClr xmlns:wpsdc="http://www.wps.cn/officeDocument/2017/drawingmlCustomData" val="00B050"/>
+                    <wpsdc:folHlinkClr xmlns:wpsdc="http://www.wps.cn/officeDocument/2017/drawingmlCustomData" val="3FCF99"/>
+                    <wpsdc:hlinkUnderline xmlns:wpsdc="http://www.wps.cn/officeDocument/2017/drawingmlCustomData" val="1"/>
+                  </a:ext>
+                </a:extLst>
+              </a:hlinkClick>
+            </a:endParaRPr>
+          </a:p>
+          <a:p>
+            <a:pPr>
+              <a:lnSpc>
+                <a:spcPct val="150000"/>
+              </a:lnSpc>
+            </a:pPr>
+            <a:r>
+              <a:rPr lang="en-US">
+                <a:hlinkClick r:id="rId3" action="ppaction://hlinkfile"/>
+              </a:rPr>
+              <a:t>acid compliance</a:t>
+            </a:r>
             <a:endParaRPr lang="en-US"/>
           </a:p>
         </p:txBody>
@@ -18160,7 +18184,7 @@
           <p:cNvSpPr txBox="1"/>
           <p:nvPr>
             <p:custDataLst>
-              <p:tags r:id="rId3"/>
+              <p:tags r:id="rId4"/>
             </p:custDataLst>
           </p:nvPr>
         </p:nvSpPr>
@@ -18197,6 +18221,31 @@
               <a:rPr lang="en-US"/>
               <a:t>joeshwoa.george@gmail.com</a:t>
             </a:r>
+            <a:endParaRPr lang="en-US"/>
+          </a:p>
+        </p:txBody>
+      </p:sp>
+      <p:sp>
+        <p:nvSpPr>
+          <p:cNvPr id="6" name="Text Box 5"/>
+          <p:cNvSpPr txBox="1"/>
+          <p:nvPr/>
+        </p:nvSpPr>
+        <p:spPr>
+          <a:xfrm>
+            <a:off x="3594735" y="3199130"/>
+            <a:ext cx="4064000" cy="306705"/>
+          </a:xfrm>
+          <a:prstGeom prst="rect">
+            <a:avLst/>
+          </a:prstGeom>
+          <a:noFill/>
+        </p:spPr>
+        <p:txBody>
+          <a:bodyPr wrap="square" rtlCol="0">
+            <a:spAutoFit/>
+          </a:bodyPr>
+          <a:p>
             <a:endParaRPr lang="en-US"/>
           </a:p>
         </p:txBody>
@@ -20001,7 +20050,7 @@
             </a:pPr>
             <a:r>
               <a:rPr lang="en-US" altLang="en-GB" sz="10000"/>
-              <a:t>See you next sesson</a:t>
+              <a:t>See you next session</a:t>
             </a:r>
             <a:r>
               <a:rPr lang="en-GB" sz="10000"/>

--- a/Mastering Supabase Session3.pptx
+++ b/Mastering Supabase Session3.pptx
@@ -51,10 +51,6 @@
     <p:embeddedFont>
       <p:font typeface="Homemade Apple" panose="02000000000000000000"/>
       <p:regular r:id="rId34"/>
-    </p:embeddedFont>
-    <p:embeddedFont>
-      <p:font typeface="Aldhabi" panose="01000000000000000000" charset="0"/>
-      <p:regular r:id="rId35"/>
     </p:embeddedFont>
   </p:embeddedFontLst>
   <p:defaultTextStyle>
@@ -17913,7 +17909,7 @@
           <a:p>
             <a:pPr lvl="0" algn="ctr"/>
             <a:r>
-              <a:rPr b="1" i="0">
+              <a:rPr b="1">
                 <a:ln w="28575" cap="flat" cmpd="sng">
                   <a:solidFill>
                     <a:schemeClr val="dk1"/>
@@ -17925,11 +17921,12 @@
                 </a:ln>
                 <a:noFill/>
                 <a:latin typeface="Calistoga"/>
+                <a:sym typeface="+mn-ea"/>
               </a:rPr>
               <a:t>0</a:t>
             </a:r>
             <a:r>
-              <a:rPr lang="ar-EG" b="1" i="0">
+              <a:rPr lang="en-US" b="1">
                 <a:ln w="28575" cap="flat" cmpd="sng">
                   <a:solidFill>
                     <a:schemeClr val="dk1"/>
@@ -17941,6 +17938,7 @@
                 </a:ln>
                 <a:noFill/>
                 <a:latin typeface="Calistoga"/>
+                <a:sym typeface="+mn-ea"/>
               </a:rPr>
               <a:t>4</a:t>
             </a:r>
@@ -21578,7 +21576,7 @@
             </a:r>
             <a:r>
               <a:rPr lang="en-US"/>
-              <a:t> &amp; Managing Tables</a:t>
+              <a:t> &amp; Managing Tables.</a:t>
             </a:r>
             <a:endParaRPr lang="en-US"/>
           </a:p>
